--- a/ChaineFonctionnelle/02_Fonction_Traiter/TP_Traiter_Pyhon_Arduino/TP_Decouverte_Arduino.pptx
+++ b/ChaineFonctionnelle/02_Fonction_Traiter/TP_Traiter_Pyhon_Arduino/TP_Decouverte_Arduino.pptx
@@ -2462,22 +2462,22 @@
   </dgm:ptLst>
   <dgm:cxnLst>
     <dgm:cxn modelId="{4F071834-F8EF-40AE-87C9-EF17305C2642}" type="presOf" srcId="{E39C7067-79AA-4AE2-84DF-5B012FE2D027}" destId="{A95E53AE-C18F-40B3-A1FD-9D575D430B4D}" srcOrd="0" destOrd="0" presId="urn:microsoft.com/office/officeart/2005/8/layout/chevron2"/>
+    <dgm:cxn modelId="{1511AABA-CE94-457F-8181-E5DD308449D2}" type="presOf" srcId="{7FD1663D-C040-4142-A9E5-8E408442DA3E}" destId="{C64CD4D9-6F30-4136-B7C3-CB879D95364C}" srcOrd="0" destOrd="0" presId="urn:microsoft.com/office/officeart/2005/8/layout/chevron2"/>
+    <dgm:cxn modelId="{441BCF50-288E-470F-852B-BC8A2B64DD22}" srcId="{4AE5CDE0-88FF-4677-B860-1115DE7181EE}" destId="{AA0F0394-EB01-417E-BD42-647CEF5F7450}" srcOrd="0" destOrd="0" parTransId="{EB918604-0DDB-499D-86F6-44636136DCBC}" sibTransId="{881E29CD-C686-4A0D-B8A3-D113F20104BB}"/>
+    <dgm:cxn modelId="{A2A884F8-7933-4CB9-A4AB-DB2B581AB837}" type="presOf" srcId="{A74AB8F2-6068-46F2-9C1F-6FD066464D0F}" destId="{A7F4B24D-FEE9-4AC8-9757-503170DA6128}" srcOrd="0" destOrd="0" presId="urn:microsoft.com/office/officeart/2005/8/layout/chevron2"/>
+    <dgm:cxn modelId="{B4AD8722-926F-4949-AB14-ED1D9E5D7BFA}" type="presOf" srcId="{4AE5CDE0-88FF-4677-B860-1115DE7181EE}" destId="{08C5441E-6BE6-40B1-B593-39DD687EDE4E}" srcOrd="0" destOrd="0" presId="urn:microsoft.com/office/officeart/2005/8/layout/chevron2"/>
+    <dgm:cxn modelId="{FE26E2EB-6889-4C54-B4FD-AD47A0339F05}" type="presOf" srcId="{AA0F0394-EB01-417E-BD42-647CEF5F7450}" destId="{2939911B-5998-415A-B0E2-B85D5A31426C}" srcOrd="0" destOrd="0" presId="urn:microsoft.com/office/officeart/2005/8/layout/chevron2"/>
+    <dgm:cxn modelId="{099DC310-E632-458B-80C4-F8B6C13B9F42}" srcId="{A74AB8F2-6068-46F2-9C1F-6FD066464D0F}" destId="{7FD1663D-C040-4142-A9E5-8E408442DA3E}" srcOrd="0" destOrd="0" parTransId="{F79E236C-C17E-423D-A7FA-B927D1EEC68F}" sibTransId="{287741AA-427A-49BD-9603-DF49100F8244}"/>
+    <dgm:cxn modelId="{B915D59F-EC72-4234-8AA4-3B37EAC89F6B}" srcId="{E39C7067-79AA-4AE2-84DF-5B012FE2D027}" destId="{4AE5CDE0-88FF-4677-B860-1115DE7181EE}" srcOrd="0" destOrd="0" parTransId="{1DC72606-B27A-4296-9CA4-F33B43B46C30}" sibTransId="{3E72FAB1-4225-4B44-A89A-6D3481BE27E6}"/>
+    <dgm:cxn modelId="{2FF01422-4D07-42A2-BB80-499BD058D9A6}" type="presOf" srcId="{2FC5F9F2-0490-4CE5-B4DA-ABB26E48CF28}" destId="{8FF2BFCE-946A-44A2-A676-2F68ADEA1D8B}" srcOrd="0" destOrd="0" presId="urn:microsoft.com/office/officeart/2005/8/layout/chevron2"/>
     <dgm:cxn modelId="{9220658F-0FF3-4DA2-AE8C-5339D168D416}" srcId="{94A15455-D03F-4946-AE5B-692A657519D5}" destId="{2FC5F9F2-0490-4CE5-B4DA-ABB26E48CF28}" srcOrd="0" destOrd="0" parTransId="{D7163A38-E882-4F4B-8D12-BEEB141DDD23}" sibTransId="{1C499FF0-9923-4C1F-9732-755497319596}"/>
-    <dgm:cxn modelId="{A2A884F8-7933-4CB9-A4AB-DB2B581AB837}" type="presOf" srcId="{A74AB8F2-6068-46F2-9C1F-6FD066464D0F}" destId="{A7F4B24D-FEE9-4AC8-9757-503170DA6128}" srcOrd="0" destOrd="0" presId="urn:microsoft.com/office/officeart/2005/8/layout/chevron2"/>
-    <dgm:cxn modelId="{B915D59F-EC72-4234-8AA4-3B37EAC89F6B}" srcId="{E39C7067-79AA-4AE2-84DF-5B012FE2D027}" destId="{4AE5CDE0-88FF-4677-B860-1115DE7181EE}" srcOrd="0" destOrd="0" parTransId="{1DC72606-B27A-4296-9CA4-F33B43B46C30}" sibTransId="{3E72FAB1-4225-4B44-A89A-6D3481BE27E6}"/>
+    <dgm:cxn modelId="{0441BE32-C1D7-427A-AD95-BE3F4802FD8B}" srcId="{E39C7067-79AA-4AE2-84DF-5B012FE2D027}" destId="{41CE93F4-6F41-45AE-A345-83CB9508779F}" srcOrd="1" destOrd="0" parTransId="{FA052C04-E619-4822-A732-BB921D88D5B4}" sibTransId="{3BD66748-D2FC-4F82-B6D9-A901EE2AC83F}"/>
+    <dgm:cxn modelId="{2DDEBE61-8A5B-47EC-91D7-CDA07782A3BA}" type="presOf" srcId="{41CE93F4-6F41-45AE-A345-83CB9508779F}" destId="{4EC1BD4D-26A3-486C-A72F-2FDEB645BEC5}" srcOrd="0" destOrd="0" presId="urn:microsoft.com/office/officeart/2005/8/layout/chevron2"/>
+    <dgm:cxn modelId="{FCFF8559-71FB-4EF5-8B33-9C26D0E700A3}" srcId="{E39C7067-79AA-4AE2-84DF-5B012FE2D027}" destId="{94A15455-D03F-4946-AE5B-692A657519D5}" srcOrd="3" destOrd="0" parTransId="{CAC2E665-7404-4249-8985-1B307CDDD01D}" sibTransId="{C4EC06CA-7A6C-4940-B55B-211E637D504B}"/>
+    <dgm:cxn modelId="{04A7CA3D-06EE-410D-BBE2-26BF15D5D887}" srcId="{41CE93F4-6F41-45AE-A345-83CB9508779F}" destId="{FEEFEF50-B925-4FE5-87B8-119707E811D9}" srcOrd="0" destOrd="0" parTransId="{A58A2E7F-A3BE-46F0-8EE7-D20048FD8EF1}" sibTransId="{3D41AF74-4DD0-40E9-B76E-211A8DE2E92B}"/>
+    <dgm:cxn modelId="{8A173DE1-E5C5-491A-80B3-AF978B54FA7B}" type="presOf" srcId="{FEEFEF50-B925-4FE5-87B8-119707E811D9}" destId="{F92BB23A-5739-4B60-85AD-A11A8CD8F9C8}" srcOrd="0" destOrd="0" presId="urn:microsoft.com/office/officeart/2005/8/layout/chevron2"/>
     <dgm:cxn modelId="{82E988F8-5272-4AE9-9D42-6D82CD545D8D}" srcId="{E39C7067-79AA-4AE2-84DF-5B012FE2D027}" destId="{A74AB8F2-6068-46F2-9C1F-6FD066464D0F}" srcOrd="2" destOrd="0" parTransId="{2A83160D-3357-4BF6-B07D-21BDB3DCF767}" sibTransId="{408FAB95-5025-41D4-9757-D6AD48F76E19}"/>
-    <dgm:cxn modelId="{8A173DE1-E5C5-491A-80B3-AF978B54FA7B}" type="presOf" srcId="{FEEFEF50-B925-4FE5-87B8-119707E811D9}" destId="{F92BB23A-5739-4B60-85AD-A11A8CD8F9C8}" srcOrd="0" destOrd="0" presId="urn:microsoft.com/office/officeart/2005/8/layout/chevron2"/>
-    <dgm:cxn modelId="{099DC310-E632-458B-80C4-F8B6C13B9F42}" srcId="{A74AB8F2-6068-46F2-9C1F-6FD066464D0F}" destId="{7FD1663D-C040-4142-A9E5-8E408442DA3E}" srcOrd="0" destOrd="0" parTransId="{F79E236C-C17E-423D-A7FA-B927D1EEC68F}" sibTransId="{287741AA-427A-49BD-9603-DF49100F8244}"/>
-    <dgm:cxn modelId="{2FF01422-4D07-42A2-BB80-499BD058D9A6}" type="presOf" srcId="{2FC5F9F2-0490-4CE5-B4DA-ABB26E48CF28}" destId="{8FF2BFCE-946A-44A2-A676-2F68ADEA1D8B}" srcOrd="0" destOrd="0" presId="urn:microsoft.com/office/officeart/2005/8/layout/chevron2"/>
-    <dgm:cxn modelId="{04A7CA3D-06EE-410D-BBE2-26BF15D5D887}" srcId="{41CE93F4-6F41-45AE-A345-83CB9508779F}" destId="{FEEFEF50-B925-4FE5-87B8-119707E811D9}" srcOrd="0" destOrd="0" parTransId="{A58A2E7F-A3BE-46F0-8EE7-D20048FD8EF1}" sibTransId="{3D41AF74-4DD0-40E9-B76E-211A8DE2E92B}"/>
-    <dgm:cxn modelId="{0441BE32-C1D7-427A-AD95-BE3F4802FD8B}" srcId="{E39C7067-79AA-4AE2-84DF-5B012FE2D027}" destId="{41CE93F4-6F41-45AE-A345-83CB9508779F}" srcOrd="1" destOrd="0" parTransId="{FA052C04-E619-4822-A732-BB921D88D5B4}" sibTransId="{3BD66748-D2FC-4F82-B6D9-A901EE2AC83F}"/>
-    <dgm:cxn modelId="{FE26E2EB-6889-4C54-B4FD-AD47A0339F05}" type="presOf" srcId="{AA0F0394-EB01-417E-BD42-647CEF5F7450}" destId="{2939911B-5998-415A-B0E2-B85D5A31426C}" srcOrd="0" destOrd="0" presId="urn:microsoft.com/office/officeart/2005/8/layout/chevron2"/>
-    <dgm:cxn modelId="{1511AABA-CE94-457F-8181-E5DD308449D2}" type="presOf" srcId="{7FD1663D-C040-4142-A9E5-8E408442DA3E}" destId="{C64CD4D9-6F30-4136-B7C3-CB879D95364C}" srcOrd="0" destOrd="0" presId="urn:microsoft.com/office/officeart/2005/8/layout/chevron2"/>
     <dgm:cxn modelId="{08BF0E0E-6CED-4978-8299-E4A9F2CEB0AA}" type="presOf" srcId="{94A15455-D03F-4946-AE5B-692A657519D5}" destId="{ECC7BF61-7B82-4769-AC67-F3CC15FD0336}" srcOrd="0" destOrd="0" presId="urn:microsoft.com/office/officeart/2005/8/layout/chevron2"/>
-    <dgm:cxn modelId="{2DDEBE61-8A5B-47EC-91D7-CDA07782A3BA}" type="presOf" srcId="{41CE93F4-6F41-45AE-A345-83CB9508779F}" destId="{4EC1BD4D-26A3-486C-A72F-2FDEB645BEC5}" srcOrd="0" destOrd="0" presId="urn:microsoft.com/office/officeart/2005/8/layout/chevron2"/>
-    <dgm:cxn modelId="{441BCF50-288E-470F-852B-BC8A2B64DD22}" srcId="{4AE5CDE0-88FF-4677-B860-1115DE7181EE}" destId="{AA0F0394-EB01-417E-BD42-647CEF5F7450}" srcOrd="0" destOrd="0" parTransId="{EB918604-0DDB-499D-86F6-44636136DCBC}" sibTransId="{881E29CD-C686-4A0D-B8A3-D113F20104BB}"/>
-    <dgm:cxn modelId="{FCFF8559-71FB-4EF5-8B33-9C26D0E700A3}" srcId="{E39C7067-79AA-4AE2-84DF-5B012FE2D027}" destId="{94A15455-D03F-4946-AE5B-692A657519D5}" srcOrd="3" destOrd="0" parTransId="{CAC2E665-7404-4249-8985-1B307CDDD01D}" sibTransId="{C4EC06CA-7A6C-4940-B55B-211E637D504B}"/>
-    <dgm:cxn modelId="{B4AD8722-926F-4949-AB14-ED1D9E5D7BFA}" type="presOf" srcId="{4AE5CDE0-88FF-4677-B860-1115DE7181EE}" destId="{08C5441E-6BE6-40B1-B593-39DD687EDE4E}" srcOrd="0" destOrd="0" presId="urn:microsoft.com/office/officeart/2005/8/layout/chevron2"/>
     <dgm:cxn modelId="{60616C66-053B-4A4E-9943-DA0213D55E87}" type="presParOf" srcId="{A95E53AE-C18F-40B3-A1FD-9D575D430B4D}" destId="{B17953D8-BFB1-4FA9-BAAE-EDBDA531DEC0}" srcOrd="0" destOrd="0" presId="urn:microsoft.com/office/officeart/2005/8/layout/chevron2"/>
     <dgm:cxn modelId="{C218BBF2-D7FE-49B3-9D96-2C4E8EB9B6AD}" type="presParOf" srcId="{B17953D8-BFB1-4FA9-BAAE-EDBDA531DEC0}" destId="{08C5441E-6BE6-40B1-B593-39DD687EDE4E}" srcOrd="0" destOrd="0" presId="urn:microsoft.com/office/officeart/2005/8/layout/chevron2"/>
     <dgm:cxn modelId="{983A61D1-C412-407E-8E35-B300A590A313}" type="presParOf" srcId="{B17953D8-BFB1-4FA9-BAAE-EDBDA531DEC0}" destId="{2939911B-5998-415A-B0E2-B85D5A31426C}" srcOrd="1" destOrd="0" presId="urn:microsoft.com/office/officeart/2005/8/layout/chevron2"/>
@@ -2497,9 +2497,8 @@
   <dgm:bg/>
   <dgm:whole/>
   <dgm:extLst>
-    <a:ext uri="{C62137D5-CB1D-491B-B009-E17868A290BF}"/>
     <a:ext uri="http://schemas.microsoft.com/office/drawing/2008/diagram">
-      <dsp:dataModelExt xmlns:dsp="http://schemas.microsoft.com/office/drawing/2008/diagram" xmlns="" relId="rId6" minVer="http://schemas.openxmlformats.org/drawingml/2006/diagram"/>
+      <dsp:dataModelExt xmlns:dsp="http://schemas.microsoft.com/office/drawing/2008/diagram" relId="rId6" minVer="http://schemas.openxmlformats.org/drawingml/2006/diagram"/>
     </a:ext>
   </dgm:extLst>
 </dgm:dataModel>
@@ -2898,21 +2897,21 @@
     </dgm:pt>
   </dgm:ptLst>
   <dgm:cxnLst>
-    <dgm:cxn modelId="{250BA5B2-4C4C-45FE-A885-F67FB578F328}" type="presOf" srcId="{FEEFEF50-B925-4FE5-87B8-119707E811D9}" destId="{F92BB23A-5739-4B60-85AD-A11A8CD8F9C8}" srcOrd="0" destOrd="0" presId="urn:microsoft.com/office/officeart/2005/8/layout/chevron2"/>
-    <dgm:cxn modelId="{04A7CA3D-06EE-410D-BBE2-26BF15D5D887}" srcId="{41CE93F4-6F41-45AE-A345-83CB9508779F}" destId="{FEEFEF50-B925-4FE5-87B8-119707E811D9}" srcOrd="0" destOrd="0" parTransId="{A58A2E7F-A3BE-46F0-8EE7-D20048FD8EF1}" sibTransId="{3D41AF74-4DD0-40E9-B76E-211A8DE2E92B}"/>
-    <dgm:cxn modelId="{B915D59F-EC72-4234-8AA4-3B37EAC89F6B}" srcId="{E39C7067-79AA-4AE2-84DF-5B012FE2D027}" destId="{4AE5CDE0-88FF-4677-B860-1115DE7181EE}" srcOrd="0" destOrd="0" parTransId="{1DC72606-B27A-4296-9CA4-F33B43B46C30}" sibTransId="{3E72FAB1-4225-4B44-A89A-6D3481BE27E6}"/>
-    <dgm:cxn modelId="{0441BE32-C1D7-427A-AD95-BE3F4802FD8B}" srcId="{E39C7067-79AA-4AE2-84DF-5B012FE2D027}" destId="{41CE93F4-6F41-45AE-A345-83CB9508779F}" srcOrd="1" destOrd="0" parTransId="{FA052C04-E619-4822-A732-BB921D88D5B4}" sibTransId="{3BD66748-D2FC-4F82-B6D9-A901EE2AC83F}"/>
     <dgm:cxn modelId="{4CB1E63D-2D45-45FD-A96C-24454AD816D1}" type="presOf" srcId="{A74AB8F2-6068-46F2-9C1F-6FD066464D0F}" destId="{A7F4B24D-FEE9-4AC8-9757-503170DA6128}" srcOrd="0" destOrd="0" presId="urn:microsoft.com/office/officeart/2005/8/layout/chevron2"/>
-    <dgm:cxn modelId="{099DC310-E632-458B-80C4-F8B6C13B9F42}" srcId="{A74AB8F2-6068-46F2-9C1F-6FD066464D0F}" destId="{7FD1663D-C040-4142-A9E5-8E408442DA3E}" srcOrd="0" destOrd="0" parTransId="{F79E236C-C17E-423D-A7FA-B927D1EEC68F}" sibTransId="{287741AA-427A-49BD-9603-DF49100F8244}"/>
-    <dgm:cxn modelId="{9EA6C953-4B11-4E75-BEE8-C0B1A9FB164E}" type="presOf" srcId="{AA0F0394-EB01-417E-BD42-647CEF5F7450}" destId="{2939911B-5998-415A-B0E2-B85D5A31426C}" srcOrd="0" destOrd="0" presId="urn:microsoft.com/office/officeart/2005/8/layout/chevron2"/>
-    <dgm:cxn modelId="{82E988F8-5272-4AE9-9D42-6D82CD545D8D}" srcId="{E39C7067-79AA-4AE2-84DF-5B012FE2D027}" destId="{A74AB8F2-6068-46F2-9C1F-6FD066464D0F}" srcOrd="2" destOrd="0" parTransId="{2A83160D-3357-4BF6-B07D-21BDB3DCF767}" sibTransId="{408FAB95-5025-41D4-9757-D6AD48F76E19}"/>
-    <dgm:cxn modelId="{924BE2EB-C71B-4E53-8EB6-7678A33AC29F}" type="presOf" srcId="{7FD1663D-C040-4142-A9E5-8E408442DA3E}" destId="{C64CD4D9-6F30-4136-B7C3-CB879D95364C}" srcOrd="0" destOrd="0" presId="urn:microsoft.com/office/officeart/2005/8/layout/chevron2"/>
-    <dgm:cxn modelId="{40EFD06D-8873-4563-8098-F45958B84D5B}" srcId="{A74AB8F2-6068-46F2-9C1F-6FD066464D0F}" destId="{112F7AAD-0408-4B7A-9F5F-E9D28E1010DB}" srcOrd="1" destOrd="0" parTransId="{DE55DE3A-3BFB-425D-B1A8-EBB4EE200D31}" sibTransId="{709B2EC5-BFF6-4FEC-9C5D-1582491F4216}"/>
-    <dgm:cxn modelId="{8E0A7470-293B-4D66-A18E-32C291CB7AE4}" type="presOf" srcId="{4AE5CDE0-88FF-4677-B860-1115DE7181EE}" destId="{08C5441E-6BE6-40B1-B593-39DD687EDE4E}" srcOrd="0" destOrd="0" presId="urn:microsoft.com/office/officeart/2005/8/layout/chevron2"/>
-    <dgm:cxn modelId="{66F51354-8F1F-4CFC-8D17-676D4E29869E}" type="presOf" srcId="{41CE93F4-6F41-45AE-A345-83CB9508779F}" destId="{4EC1BD4D-26A3-486C-A72F-2FDEB645BEC5}" srcOrd="0" destOrd="0" presId="urn:microsoft.com/office/officeart/2005/8/layout/chevron2"/>
     <dgm:cxn modelId="{441BCF50-288E-470F-852B-BC8A2B64DD22}" srcId="{4AE5CDE0-88FF-4677-B860-1115DE7181EE}" destId="{AA0F0394-EB01-417E-BD42-647CEF5F7450}" srcOrd="0" destOrd="0" parTransId="{EB918604-0DDB-499D-86F6-44636136DCBC}" sibTransId="{881E29CD-C686-4A0D-B8A3-D113F20104BB}"/>
     <dgm:cxn modelId="{C958D739-53FB-42F2-8AD7-34C9E65651DC}" type="presOf" srcId="{E39C7067-79AA-4AE2-84DF-5B012FE2D027}" destId="{A95E53AE-C18F-40B3-A1FD-9D575D430B4D}" srcOrd="0" destOrd="0" presId="urn:microsoft.com/office/officeart/2005/8/layout/chevron2"/>
+    <dgm:cxn modelId="{40EFD06D-8873-4563-8098-F45958B84D5B}" srcId="{A74AB8F2-6068-46F2-9C1F-6FD066464D0F}" destId="{112F7AAD-0408-4B7A-9F5F-E9D28E1010DB}" srcOrd="1" destOrd="0" parTransId="{DE55DE3A-3BFB-425D-B1A8-EBB4EE200D31}" sibTransId="{709B2EC5-BFF6-4FEC-9C5D-1582491F4216}"/>
+    <dgm:cxn modelId="{099DC310-E632-458B-80C4-F8B6C13B9F42}" srcId="{A74AB8F2-6068-46F2-9C1F-6FD066464D0F}" destId="{7FD1663D-C040-4142-A9E5-8E408442DA3E}" srcOrd="0" destOrd="0" parTransId="{F79E236C-C17E-423D-A7FA-B927D1EEC68F}" sibTransId="{287741AA-427A-49BD-9603-DF49100F8244}"/>
+    <dgm:cxn modelId="{B915D59F-EC72-4234-8AA4-3B37EAC89F6B}" srcId="{E39C7067-79AA-4AE2-84DF-5B012FE2D027}" destId="{4AE5CDE0-88FF-4677-B860-1115DE7181EE}" srcOrd="0" destOrd="0" parTransId="{1DC72606-B27A-4296-9CA4-F33B43B46C30}" sibTransId="{3E72FAB1-4225-4B44-A89A-6D3481BE27E6}"/>
     <dgm:cxn modelId="{793DCFCF-650E-4168-A797-E354096C8182}" type="presOf" srcId="{112F7AAD-0408-4B7A-9F5F-E9D28E1010DB}" destId="{C64CD4D9-6F30-4136-B7C3-CB879D95364C}" srcOrd="0" destOrd="1" presId="urn:microsoft.com/office/officeart/2005/8/layout/chevron2"/>
+    <dgm:cxn modelId="{250BA5B2-4C4C-45FE-A885-F67FB578F328}" type="presOf" srcId="{FEEFEF50-B925-4FE5-87B8-119707E811D9}" destId="{F92BB23A-5739-4B60-85AD-A11A8CD8F9C8}" srcOrd="0" destOrd="0" presId="urn:microsoft.com/office/officeart/2005/8/layout/chevron2"/>
+    <dgm:cxn modelId="{9EA6C953-4B11-4E75-BEE8-C0B1A9FB164E}" type="presOf" srcId="{AA0F0394-EB01-417E-BD42-647CEF5F7450}" destId="{2939911B-5998-415A-B0E2-B85D5A31426C}" srcOrd="0" destOrd="0" presId="urn:microsoft.com/office/officeart/2005/8/layout/chevron2"/>
+    <dgm:cxn modelId="{0441BE32-C1D7-427A-AD95-BE3F4802FD8B}" srcId="{E39C7067-79AA-4AE2-84DF-5B012FE2D027}" destId="{41CE93F4-6F41-45AE-A345-83CB9508779F}" srcOrd="1" destOrd="0" parTransId="{FA052C04-E619-4822-A732-BB921D88D5B4}" sibTransId="{3BD66748-D2FC-4F82-B6D9-A901EE2AC83F}"/>
+    <dgm:cxn modelId="{8E0A7470-293B-4D66-A18E-32C291CB7AE4}" type="presOf" srcId="{4AE5CDE0-88FF-4677-B860-1115DE7181EE}" destId="{08C5441E-6BE6-40B1-B593-39DD687EDE4E}" srcOrd="0" destOrd="0" presId="urn:microsoft.com/office/officeart/2005/8/layout/chevron2"/>
+    <dgm:cxn modelId="{924BE2EB-C71B-4E53-8EB6-7678A33AC29F}" type="presOf" srcId="{7FD1663D-C040-4142-A9E5-8E408442DA3E}" destId="{C64CD4D9-6F30-4136-B7C3-CB879D95364C}" srcOrd="0" destOrd="0" presId="urn:microsoft.com/office/officeart/2005/8/layout/chevron2"/>
+    <dgm:cxn modelId="{04A7CA3D-06EE-410D-BBE2-26BF15D5D887}" srcId="{41CE93F4-6F41-45AE-A345-83CB9508779F}" destId="{FEEFEF50-B925-4FE5-87B8-119707E811D9}" srcOrd="0" destOrd="0" parTransId="{A58A2E7F-A3BE-46F0-8EE7-D20048FD8EF1}" sibTransId="{3D41AF74-4DD0-40E9-B76E-211A8DE2E92B}"/>
+    <dgm:cxn modelId="{66F51354-8F1F-4CFC-8D17-676D4E29869E}" type="presOf" srcId="{41CE93F4-6F41-45AE-A345-83CB9508779F}" destId="{4EC1BD4D-26A3-486C-A72F-2FDEB645BEC5}" srcOrd="0" destOrd="0" presId="urn:microsoft.com/office/officeart/2005/8/layout/chevron2"/>
+    <dgm:cxn modelId="{82E988F8-5272-4AE9-9D42-6D82CD545D8D}" srcId="{E39C7067-79AA-4AE2-84DF-5B012FE2D027}" destId="{A74AB8F2-6068-46F2-9C1F-6FD066464D0F}" srcOrd="2" destOrd="0" parTransId="{2A83160D-3357-4BF6-B07D-21BDB3DCF767}" sibTransId="{408FAB95-5025-41D4-9757-D6AD48F76E19}"/>
     <dgm:cxn modelId="{EEE3E83A-2D32-4260-A7B8-B1839D7C2FC4}" type="presParOf" srcId="{A95E53AE-C18F-40B3-A1FD-9D575D430B4D}" destId="{B17953D8-BFB1-4FA9-BAAE-EDBDA531DEC0}" srcOrd="0" destOrd="0" presId="urn:microsoft.com/office/officeart/2005/8/layout/chevron2"/>
     <dgm:cxn modelId="{9ED89311-5A6A-4C24-B81A-3F1A4304B466}" type="presParOf" srcId="{B17953D8-BFB1-4FA9-BAAE-EDBDA531DEC0}" destId="{08C5441E-6BE6-40B1-B593-39DD687EDE4E}" srcOrd="0" destOrd="0" presId="urn:microsoft.com/office/officeart/2005/8/layout/chevron2"/>
     <dgm:cxn modelId="{96172A1C-421F-4B3B-B088-607AED9D77D5}" type="presParOf" srcId="{B17953D8-BFB1-4FA9-BAAE-EDBDA531DEC0}" destId="{2939911B-5998-415A-B0E2-B85D5A31426C}" srcOrd="1" destOrd="0" presId="urn:microsoft.com/office/officeart/2005/8/layout/chevron2"/>
@@ -2928,34 +2927,1102 @@
   <dgm:bg/>
   <dgm:whole/>
   <dgm:extLst>
-    <a:ext uri="{C62137D5-CB1D-491B-B009-E17868A290BF}"/>
     <a:ext uri="http://schemas.microsoft.com/office/drawing/2008/diagram">
-      <dsp:dataModelExt xmlns:dsp="http://schemas.microsoft.com/office/drawing/2008/diagram" xmlns="" relId="rId6" minVer="http://schemas.openxmlformats.org/drawingml/2006/diagram"/>
+      <dsp:dataModelExt xmlns:dsp="http://schemas.microsoft.com/office/drawing/2008/diagram" relId="rId6" minVer="http://schemas.openxmlformats.org/drawingml/2006/diagram"/>
     </a:ext>
   </dgm:extLst>
 </dgm:dataModel>
 </file>
 
 <file path=ppt/diagrams/drawing1.xml><?xml version="1.0" encoding="utf-8"?>
-<dsp:drawing xmlns:dgm="http://schemas.openxmlformats.org/drawingml/2006/diagram" xmlns:a="http://schemas.openxmlformats.org/drawingml/2006/main" xmlns:dsp="http://schemas.microsoft.com/office/drawing/2008/diagram">
+<dsp:drawing xmlns:dgm="http://schemas.openxmlformats.org/drawingml/2006/diagram" xmlns:dsp="http://schemas.microsoft.com/office/drawing/2008/diagram" xmlns:a="http://schemas.openxmlformats.org/drawingml/2006/main">
   <dsp:spTree>
     <dsp:nvGrpSpPr>
       <dsp:cNvPr id="0" name=""/>
       <dsp:cNvGrpSpPr/>
     </dsp:nvGrpSpPr>
     <dsp:grpSpPr/>
+    <dsp:sp modelId="{08C5441E-6BE6-40B1-B593-39DD687EDE4E}">
+      <dsp:nvSpPr>
+        <dsp:cNvPr id="0" name=""/>
+        <dsp:cNvSpPr/>
+      </dsp:nvSpPr>
+      <dsp:spPr>
+        <a:xfrm rot="5400000">
+          <a:off x="-176366" y="177452"/>
+          <a:ext cx="1175779" cy="823045"/>
+        </a:xfrm>
+        <a:prstGeom prst="chevron">
+          <a:avLst/>
+        </a:prstGeom>
+        <a:solidFill>
+          <a:schemeClr val="accent2">
+            <a:hueOff val="0"/>
+            <a:satOff val="0"/>
+            <a:lumOff val="0"/>
+            <a:alphaOff val="0"/>
+          </a:schemeClr>
+        </a:solidFill>
+        <a:ln w="19050" cap="flat" cmpd="sng" algn="ctr">
+          <a:solidFill>
+            <a:schemeClr val="accent2">
+              <a:hueOff val="0"/>
+              <a:satOff val="0"/>
+              <a:lumOff val="0"/>
+              <a:alphaOff val="0"/>
+            </a:schemeClr>
+          </a:solidFill>
+          <a:prstDash val="solid"/>
+        </a:ln>
+        <a:effectLst/>
+      </dsp:spPr>
+      <dsp:style>
+        <a:lnRef idx="2">
+          <a:scrgbClr r="0" g="0" b="0"/>
+        </a:lnRef>
+        <a:fillRef idx="1">
+          <a:scrgbClr r="0" g="0" b="0"/>
+        </a:fillRef>
+        <a:effectRef idx="0">
+          <a:scrgbClr r="0" g="0" b="0"/>
+        </a:effectRef>
+        <a:fontRef idx="minor">
+          <a:schemeClr val="lt1"/>
+        </a:fontRef>
+      </dsp:style>
+      <dsp:txBody>
+        <a:bodyPr spcFirstLastPara="0" vert="horz" wrap="square" lIns="12700" tIns="12700" rIns="12700" bIns="12700" numCol="1" spcCol="1270" anchor="ctr" anchorCtr="0">
+          <a:noAutofit/>
+        </a:bodyPr>
+        <a:lstStyle/>
+        <a:p>
+          <a:pPr lvl="0" algn="ctr" defTabSz="889000">
+            <a:lnSpc>
+              <a:spcPct val="90000"/>
+            </a:lnSpc>
+            <a:spcBef>
+              <a:spcPct val="0"/>
+            </a:spcBef>
+            <a:spcAft>
+              <a:spcPct val="35000"/>
+            </a:spcAft>
+          </a:pPr>
+          <a:endParaRPr lang="fr-FR" sz="2000" kern="1200"/>
+        </a:p>
+      </dsp:txBody>
+      <dsp:txXfrm rot="-5400000">
+        <a:off x="2" y="412608"/>
+        <a:ext cx="823045" cy="352734"/>
+      </dsp:txXfrm>
+    </dsp:sp>
+    <dsp:sp modelId="{2939911B-5998-415A-B0E2-B85D5A31426C}">
+      <dsp:nvSpPr>
+        <dsp:cNvPr id="0" name=""/>
+        <dsp:cNvSpPr/>
+      </dsp:nvSpPr>
+      <dsp:spPr>
+        <a:xfrm rot="5400000">
+          <a:off x="3581468" y="-2757337"/>
+          <a:ext cx="764256" cy="6281102"/>
+        </a:xfrm>
+        <a:prstGeom prst="round2SameRect">
+          <a:avLst/>
+        </a:prstGeom>
+        <a:solidFill>
+          <a:schemeClr val="lt1">
+            <a:alpha val="90000"/>
+            <a:hueOff val="0"/>
+            <a:satOff val="0"/>
+            <a:lumOff val="0"/>
+            <a:alphaOff val="0"/>
+          </a:schemeClr>
+        </a:solidFill>
+        <a:ln w="19050" cap="flat" cmpd="sng" algn="ctr">
+          <a:solidFill>
+            <a:schemeClr val="accent2">
+              <a:hueOff val="0"/>
+              <a:satOff val="0"/>
+              <a:lumOff val="0"/>
+              <a:alphaOff val="0"/>
+            </a:schemeClr>
+          </a:solidFill>
+          <a:prstDash val="solid"/>
+        </a:ln>
+        <a:effectLst/>
+      </dsp:spPr>
+      <dsp:style>
+        <a:lnRef idx="2">
+          <a:scrgbClr r="0" g="0" b="0"/>
+        </a:lnRef>
+        <a:fillRef idx="1">
+          <a:scrgbClr r="0" g="0" b="0"/>
+        </a:fillRef>
+        <a:effectRef idx="0">
+          <a:scrgbClr r="0" g="0" b="0"/>
+        </a:effectRef>
+        <a:fontRef idx="minor"/>
+      </dsp:style>
+      <dsp:txBody>
+        <a:bodyPr spcFirstLastPara="0" vert="horz" wrap="square" lIns="170688" tIns="15240" rIns="15240" bIns="15240" numCol="1" spcCol="1270" anchor="ctr" anchorCtr="0">
+          <a:noAutofit/>
+        </a:bodyPr>
+        <a:lstStyle/>
+        <a:p>
+          <a:pPr marL="228600" lvl="1" indent="-228600" algn="l" defTabSz="1066800">
+            <a:lnSpc>
+              <a:spcPct val="90000"/>
+            </a:lnSpc>
+            <a:spcBef>
+              <a:spcPct val="0"/>
+            </a:spcBef>
+            <a:spcAft>
+              <a:spcPct val="15000"/>
+            </a:spcAft>
+            <a:buChar char="••"/>
+          </a:pPr>
+          <a:r>
+            <a:rPr lang="fr-FR" sz="2400" kern="1200" dirty="0" smtClean="0"/>
+            <a:t>Programmation en utilisant le logiciel Arduino</a:t>
+          </a:r>
+          <a:endParaRPr lang="fr-FR" sz="2400" kern="1200" dirty="0"/>
+        </a:p>
+      </dsp:txBody>
+      <dsp:txXfrm rot="-5400000">
+        <a:off x="823045" y="38394"/>
+        <a:ext cx="6243794" cy="689640"/>
+      </dsp:txXfrm>
+    </dsp:sp>
+    <dsp:sp modelId="{4EC1BD4D-26A3-486C-A72F-2FDEB645BEC5}">
+      <dsp:nvSpPr>
+        <dsp:cNvPr id="0" name=""/>
+        <dsp:cNvSpPr/>
+      </dsp:nvSpPr>
+      <dsp:spPr>
+        <a:xfrm rot="5400000">
+          <a:off x="-176366" y="1205448"/>
+          <a:ext cx="1175779" cy="823045"/>
+        </a:xfrm>
+        <a:prstGeom prst="chevron">
+          <a:avLst/>
+        </a:prstGeom>
+        <a:solidFill>
+          <a:schemeClr val="accent3">
+            <a:hueOff val="0"/>
+            <a:satOff val="0"/>
+            <a:lumOff val="0"/>
+            <a:alphaOff val="0"/>
+          </a:schemeClr>
+        </a:solidFill>
+        <a:ln w="19050" cap="flat" cmpd="sng" algn="ctr">
+          <a:solidFill>
+            <a:schemeClr val="accent3">
+              <a:hueOff val="0"/>
+              <a:satOff val="0"/>
+              <a:lumOff val="0"/>
+              <a:alphaOff val="0"/>
+            </a:schemeClr>
+          </a:solidFill>
+          <a:prstDash val="solid"/>
+        </a:ln>
+        <a:effectLst/>
+      </dsp:spPr>
+      <dsp:style>
+        <a:lnRef idx="2">
+          <a:scrgbClr r="0" g="0" b="0"/>
+        </a:lnRef>
+        <a:fillRef idx="1">
+          <a:scrgbClr r="0" g="0" b="0"/>
+        </a:fillRef>
+        <a:effectRef idx="0">
+          <a:scrgbClr r="0" g="0" b="0"/>
+        </a:effectRef>
+        <a:fontRef idx="minor">
+          <a:schemeClr val="lt1"/>
+        </a:fontRef>
+      </dsp:style>
+      <dsp:txBody>
+        <a:bodyPr spcFirstLastPara="0" vert="horz" wrap="square" lIns="12700" tIns="12700" rIns="12700" bIns="12700" numCol="1" spcCol="1270" anchor="ctr" anchorCtr="0">
+          <a:noAutofit/>
+        </a:bodyPr>
+        <a:lstStyle/>
+        <a:p>
+          <a:pPr lvl="0" algn="ctr" defTabSz="889000">
+            <a:lnSpc>
+              <a:spcPct val="90000"/>
+            </a:lnSpc>
+            <a:spcBef>
+              <a:spcPct val="0"/>
+            </a:spcBef>
+            <a:spcAft>
+              <a:spcPct val="35000"/>
+            </a:spcAft>
+          </a:pPr>
+          <a:endParaRPr lang="fr-FR" sz="2000" kern="1200"/>
+        </a:p>
+      </dsp:txBody>
+      <dsp:txXfrm rot="-5400000">
+        <a:off x="2" y="1440604"/>
+        <a:ext cx="823045" cy="352734"/>
+      </dsp:txXfrm>
+    </dsp:sp>
+    <dsp:sp modelId="{F92BB23A-5739-4B60-85AD-A11A8CD8F9C8}">
+      <dsp:nvSpPr>
+        <dsp:cNvPr id="0" name=""/>
+        <dsp:cNvSpPr/>
+      </dsp:nvSpPr>
+      <dsp:spPr>
+        <a:xfrm rot="5400000">
+          <a:off x="3581468" y="-1729340"/>
+          <a:ext cx="764256" cy="6281102"/>
+        </a:xfrm>
+        <a:prstGeom prst="round2SameRect">
+          <a:avLst/>
+        </a:prstGeom>
+        <a:solidFill>
+          <a:schemeClr val="lt1">
+            <a:alpha val="90000"/>
+            <a:hueOff val="0"/>
+            <a:satOff val="0"/>
+            <a:lumOff val="0"/>
+            <a:alphaOff val="0"/>
+          </a:schemeClr>
+        </a:solidFill>
+        <a:ln w="19050" cap="flat" cmpd="sng" algn="ctr">
+          <a:solidFill>
+            <a:schemeClr val="accent3">
+              <a:hueOff val="0"/>
+              <a:satOff val="0"/>
+              <a:lumOff val="0"/>
+              <a:alphaOff val="0"/>
+            </a:schemeClr>
+          </a:solidFill>
+          <a:prstDash val="solid"/>
+        </a:ln>
+        <a:effectLst/>
+      </dsp:spPr>
+      <dsp:style>
+        <a:lnRef idx="2">
+          <a:scrgbClr r="0" g="0" b="0"/>
+        </a:lnRef>
+        <a:fillRef idx="1">
+          <a:scrgbClr r="0" g="0" b="0"/>
+        </a:fillRef>
+        <a:effectRef idx="0">
+          <a:scrgbClr r="0" g="0" b="0"/>
+        </a:effectRef>
+        <a:fontRef idx="minor"/>
+      </dsp:style>
+      <dsp:txBody>
+        <a:bodyPr spcFirstLastPara="0" vert="horz" wrap="square" lIns="170688" tIns="15240" rIns="15240" bIns="15240" numCol="1" spcCol="1270" anchor="ctr" anchorCtr="0">
+          <a:noAutofit/>
+        </a:bodyPr>
+        <a:lstStyle/>
+        <a:p>
+          <a:pPr marL="228600" lvl="1" indent="-228600" algn="l" defTabSz="1066800">
+            <a:lnSpc>
+              <a:spcPct val="90000"/>
+            </a:lnSpc>
+            <a:spcBef>
+              <a:spcPct val="0"/>
+            </a:spcBef>
+            <a:spcAft>
+              <a:spcPct val="15000"/>
+            </a:spcAft>
+            <a:buChar char="••"/>
+          </a:pPr>
+          <a:r>
+            <a:rPr lang="fr-FR" sz="2400" kern="1200" dirty="0" smtClean="0"/>
+            <a:t>Compilation du programme</a:t>
+          </a:r>
+          <a:endParaRPr lang="fr-FR" sz="2400" kern="1200" dirty="0"/>
+        </a:p>
+      </dsp:txBody>
+      <dsp:txXfrm rot="-5400000">
+        <a:off x="823045" y="1066391"/>
+        <a:ext cx="6243794" cy="689640"/>
+      </dsp:txXfrm>
+    </dsp:sp>
+    <dsp:sp modelId="{A7F4B24D-FEE9-4AC8-9757-503170DA6128}">
+      <dsp:nvSpPr>
+        <dsp:cNvPr id="0" name=""/>
+        <dsp:cNvSpPr/>
+      </dsp:nvSpPr>
+      <dsp:spPr>
+        <a:xfrm rot="5400000">
+          <a:off x="-176366" y="2233445"/>
+          <a:ext cx="1175779" cy="823045"/>
+        </a:xfrm>
+        <a:prstGeom prst="chevron">
+          <a:avLst/>
+        </a:prstGeom>
+        <a:solidFill>
+          <a:schemeClr val="accent4">
+            <a:hueOff val="0"/>
+            <a:satOff val="0"/>
+            <a:lumOff val="0"/>
+            <a:alphaOff val="0"/>
+          </a:schemeClr>
+        </a:solidFill>
+        <a:ln w="19050" cap="flat" cmpd="sng" algn="ctr">
+          <a:solidFill>
+            <a:schemeClr val="accent4">
+              <a:hueOff val="0"/>
+              <a:satOff val="0"/>
+              <a:lumOff val="0"/>
+              <a:alphaOff val="0"/>
+            </a:schemeClr>
+          </a:solidFill>
+          <a:prstDash val="solid"/>
+        </a:ln>
+        <a:effectLst/>
+      </dsp:spPr>
+      <dsp:style>
+        <a:lnRef idx="2">
+          <a:scrgbClr r="0" g="0" b="0"/>
+        </a:lnRef>
+        <a:fillRef idx="1">
+          <a:scrgbClr r="0" g="0" b="0"/>
+        </a:fillRef>
+        <a:effectRef idx="0">
+          <a:scrgbClr r="0" g="0" b="0"/>
+        </a:effectRef>
+        <a:fontRef idx="minor">
+          <a:schemeClr val="lt1"/>
+        </a:fontRef>
+      </dsp:style>
+      <dsp:txBody>
+        <a:bodyPr spcFirstLastPara="0" vert="horz" wrap="square" lIns="12700" tIns="12700" rIns="12700" bIns="12700" numCol="1" spcCol="1270" anchor="ctr" anchorCtr="0">
+          <a:noAutofit/>
+        </a:bodyPr>
+        <a:lstStyle/>
+        <a:p>
+          <a:pPr lvl="0" algn="ctr" defTabSz="889000">
+            <a:lnSpc>
+              <a:spcPct val="90000"/>
+            </a:lnSpc>
+            <a:spcBef>
+              <a:spcPct val="0"/>
+            </a:spcBef>
+            <a:spcAft>
+              <a:spcPct val="35000"/>
+            </a:spcAft>
+          </a:pPr>
+          <a:endParaRPr lang="fr-FR" sz="2000" kern="1200" dirty="0"/>
+        </a:p>
+      </dsp:txBody>
+      <dsp:txXfrm rot="-5400000">
+        <a:off x="2" y="2468601"/>
+        <a:ext cx="823045" cy="352734"/>
+      </dsp:txXfrm>
+    </dsp:sp>
+    <dsp:sp modelId="{C64CD4D9-6F30-4136-B7C3-CB879D95364C}">
+      <dsp:nvSpPr>
+        <dsp:cNvPr id="0" name=""/>
+        <dsp:cNvSpPr/>
+      </dsp:nvSpPr>
+      <dsp:spPr>
+        <a:xfrm rot="5400000">
+          <a:off x="3581468" y="-701344"/>
+          <a:ext cx="764256" cy="6281102"/>
+        </a:xfrm>
+        <a:prstGeom prst="round2SameRect">
+          <a:avLst/>
+        </a:prstGeom>
+        <a:solidFill>
+          <a:schemeClr val="lt1">
+            <a:alpha val="90000"/>
+            <a:hueOff val="0"/>
+            <a:satOff val="0"/>
+            <a:lumOff val="0"/>
+            <a:alphaOff val="0"/>
+          </a:schemeClr>
+        </a:solidFill>
+        <a:ln w="19050" cap="flat" cmpd="sng" algn="ctr">
+          <a:solidFill>
+            <a:schemeClr val="accent4">
+              <a:hueOff val="0"/>
+              <a:satOff val="0"/>
+              <a:lumOff val="0"/>
+              <a:alphaOff val="0"/>
+            </a:schemeClr>
+          </a:solidFill>
+          <a:prstDash val="solid"/>
+        </a:ln>
+        <a:effectLst/>
+      </dsp:spPr>
+      <dsp:style>
+        <a:lnRef idx="2">
+          <a:scrgbClr r="0" g="0" b="0"/>
+        </a:lnRef>
+        <a:fillRef idx="1">
+          <a:scrgbClr r="0" g="0" b="0"/>
+        </a:fillRef>
+        <a:effectRef idx="0">
+          <a:scrgbClr r="0" g="0" b="0"/>
+        </a:effectRef>
+        <a:fontRef idx="minor"/>
+      </dsp:style>
+      <dsp:txBody>
+        <a:bodyPr spcFirstLastPara="0" vert="horz" wrap="square" lIns="170688" tIns="15240" rIns="15240" bIns="15240" numCol="1" spcCol="1270" anchor="ctr" anchorCtr="0">
+          <a:noAutofit/>
+        </a:bodyPr>
+        <a:lstStyle/>
+        <a:p>
+          <a:pPr marL="228600" lvl="1" indent="-228600" algn="l" defTabSz="1066800">
+            <a:lnSpc>
+              <a:spcPct val="90000"/>
+            </a:lnSpc>
+            <a:spcBef>
+              <a:spcPct val="0"/>
+            </a:spcBef>
+            <a:spcAft>
+              <a:spcPct val="15000"/>
+            </a:spcAft>
+            <a:buChar char="••"/>
+          </a:pPr>
+          <a:r>
+            <a:rPr lang="fr-FR" sz="2400" kern="1200" dirty="0" smtClean="0"/>
+            <a:t>Téléversement du programme dans la carte</a:t>
+          </a:r>
+          <a:endParaRPr lang="fr-FR" sz="2400" kern="1200" dirty="0"/>
+        </a:p>
+      </dsp:txBody>
+      <dsp:txXfrm rot="-5400000">
+        <a:off x="823045" y="2094387"/>
+        <a:ext cx="6243794" cy="689640"/>
+      </dsp:txXfrm>
+    </dsp:sp>
+    <dsp:sp modelId="{ECC7BF61-7B82-4769-AC67-F3CC15FD0336}">
+      <dsp:nvSpPr>
+        <dsp:cNvPr id="0" name=""/>
+        <dsp:cNvSpPr/>
+      </dsp:nvSpPr>
+      <dsp:spPr>
+        <a:xfrm rot="5400000">
+          <a:off x="-176366" y="3261442"/>
+          <a:ext cx="1175779" cy="823045"/>
+        </a:xfrm>
+        <a:prstGeom prst="chevron">
+          <a:avLst/>
+        </a:prstGeom>
+        <a:solidFill>
+          <a:schemeClr val="accent5">
+            <a:hueOff val="0"/>
+            <a:satOff val="0"/>
+            <a:lumOff val="0"/>
+            <a:alphaOff val="0"/>
+          </a:schemeClr>
+        </a:solidFill>
+        <a:ln w="19050" cap="flat" cmpd="sng" algn="ctr">
+          <a:solidFill>
+            <a:schemeClr val="accent5">
+              <a:hueOff val="0"/>
+              <a:satOff val="0"/>
+              <a:lumOff val="0"/>
+              <a:alphaOff val="0"/>
+            </a:schemeClr>
+          </a:solidFill>
+          <a:prstDash val="solid"/>
+        </a:ln>
+        <a:effectLst/>
+      </dsp:spPr>
+      <dsp:style>
+        <a:lnRef idx="2">
+          <a:scrgbClr r="0" g="0" b="0"/>
+        </a:lnRef>
+        <a:fillRef idx="1">
+          <a:scrgbClr r="0" g="0" b="0"/>
+        </a:fillRef>
+        <a:effectRef idx="0">
+          <a:scrgbClr r="0" g="0" b="0"/>
+        </a:effectRef>
+        <a:fontRef idx="minor">
+          <a:schemeClr val="lt1"/>
+        </a:fontRef>
+      </dsp:style>
+      <dsp:txBody>
+        <a:bodyPr spcFirstLastPara="0" vert="horz" wrap="square" lIns="15240" tIns="15240" rIns="15240" bIns="15240" numCol="1" spcCol="1270" anchor="ctr" anchorCtr="0">
+          <a:noAutofit/>
+        </a:bodyPr>
+        <a:lstStyle/>
+        <a:p>
+          <a:pPr lvl="0" algn="ctr" defTabSz="1066800">
+            <a:lnSpc>
+              <a:spcPct val="90000"/>
+            </a:lnSpc>
+            <a:spcBef>
+              <a:spcPct val="0"/>
+            </a:spcBef>
+            <a:spcAft>
+              <a:spcPct val="35000"/>
+            </a:spcAft>
+          </a:pPr>
+          <a:endParaRPr lang="fr-FR" sz="2400" kern="1200" dirty="0"/>
+        </a:p>
+      </dsp:txBody>
+      <dsp:txXfrm rot="-5400000">
+        <a:off x="2" y="3496598"/>
+        <a:ext cx="823045" cy="352734"/>
+      </dsp:txXfrm>
+    </dsp:sp>
+    <dsp:sp modelId="{8FF2BFCE-946A-44A2-A676-2F68ADEA1D8B}">
+      <dsp:nvSpPr>
+        <dsp:cNvPr id="0" name=""/>
+        <dsp:cNvSpPr/>
+      </dsp:nvSpPr>
+      <dsp:spPr>
+        <a:xfrm rot="5400000">
+          <a:off x="3581468" y="326652"/>
+          <a:ext cx="764256" cy="6281102"/>
+        </a:xfrm>
+        <a:prstGeom prst="round2SameRect">
+          <a:avLst/>
+        </a:prstGeom>
+        <a:solidFill>
+          <a:schemeClr val="lt1">
+            <a:alpha val="90000"/>
+            <a:hueOff val="0"/>
+            <a:satOff val="0"/>
+            <a:lumOff val="0"/>
+            <a:alphaOff val="0"/>
+          </a:schemeClr>
+        </a:solidFill>
+        <a:ln w="19050" cap="flat" cmpd="sng" algn="ctr">
+          <a:solidFill>
+            <a:schemeClr val="accent5">
+              <a:hueOff val="0"/>
+              <a:satOff val="0"/>
+              <a:lumOff val="0"/>
+              <a:alphaOff val="0"/>
+            </a:schemeClr>
+          </a:solidFill>
+          <a:prstDash val="solid"/>
+        </a:ln>
+        <a:effectLst/>
+      </dsp:spPr>
+      <dsp:style>
+        <a:lnRef idx="2">
+          <a:scrgbClr r="0" g="0" b="0"/>
+        </a:lnRef>
+        <a:fillRef idx="1">
+          <a:scrgbClr r="0" g="0" b="0"/>
+        </a:fillRef>
+        <a:effectRef idx="0">
+          <a:scrgbClr r="0" g="0" b="0"/>
+        </a:effectRef>
+        <a:fontRef idx="minor"/>
+      </dsp:style>
+      <dsp:txBody>
+        <a:bodyPr spcFirstLastPara="0" vert="horz" wrap="square" lIns="170688" tIns="15240" rIns="15240" bIns="15240" numCol="1" spcCol="1270" anchor="ctr" anchorCtr="0">
+          <a:noAutofit/>
+        </a:bodyPr>
+        <a:lstStyle/>
+        <a:p>
+          <a:pPr marL="228600" lvl="1" indent="-228600" algn="l" defTabSz="1066800">
+            <a:lnSpc>
+              <a:spcPct val="90000"/>
+            </a:lnSpc>
+            <a:spcBef>
+              <a:spcPct val="0"/>
+            </a:spcBef>
+            <a:spcAft>
+              <a:spcPct val="15000"/>
+            </a:spcAft>
+            <a:buChar char="••"/>
+          </a:pPr>
+          <a:r>
+            <a:rPr lang="fr-FR" sz="2400" kern="1200" dirty="0" smtClean="0"/>
+            <a:t>Fonctionnement du programme sur la carte en mode autonome</a:t>
+          </a:r>
+          <a:endParaRPr lang="fr-FR" sz="2400" kern="1200" dirty="0"/>
+        </a:p>
+      </dsp:txBody>
+      <dsp:txXfrm rot="-5400000">
+        <a:off x="823045" y="3122383"/>
+        <a:ext cx="6243794" cy="689640"/>
+      </dsp:txXfrm>
+    </dsp:sp>
   </dsp:spTree>
 </dsp:drawing>
 </file>
 
 <file path=ppt/diagrams/drawing2.xml><?xml version="1.0" encoding="utf-8"?>
-<dsp:drawing xmlns:dgm="http://schemas.openxmlformats.org/drawingml/2006/diagram" xmlns:a="http://schemas.openxmlformats.org/drawingml/2006/main" xmlns:dsp="http://schemas.microsoft.com/office/drawing/2008/diagram">
+<dsp:drawing xmlns:dgm="http://schemas.openxmlformats.org/drawingml/2006/diagram" xmlns:dsp="http://schemas.microsoft.com/office/drawing/2008/diagram" xmlns:a="http://schemas.openxmlformats.org/drawingml/2006/main">
   <dsp:spTree>
     <dsp:nvGrpSpPr>
       <dsp:cNvPr id="0" name=""/>
       <dsp:cNvGrpSpPr/>
     </dsp:nvGrpSpPr>
     <dsp:grpSpPr/>
+    <dsp:sp modelId="{08C5441E-6BE6-40B1-B593-39DD687EDE4E}">
+      <dsp:nvSpPr>
+        <dsp:cNvPr id="0" name=""/>
+        <dsp:cNvSpPr/>
+      </dsp:nvSpPr>
+      <dsp:spPr>
+        <a:xfrm rot="5400000">
+          <a:off x="-232554" y="232842"/>
+          <a:ext cx="1550363" cy="1085254"/>
+        </a:xfrm>
+        <a:prstGeom prst="chevron">
+          <a:avLst/>
+        </a:prstGeom>
+        <a:solidFill>
+          <a:schemeClr val="accent2">
+            <a:hueOff val="0"/>
+            <a:satOff val="0"/>
+            <a:lumOff val="0"/>
+            <a:alphaOff val="0"/>
+          </a:schemeClr>
+        </a:solidFill>
+        <a:ln w="19050" cap="flat" cmpd="sng" algn="ctr">
+          <a:solidFill>
+            <a:schemeClr val="accent2">
+              <a:hueOff val="0"/>
+              <a:satOff val="0"/>
+              <a:lumOff val="0"/>
+              <a:alphaOff val="0"/>
+            </a:schemeClr>
+          </a:solidFill>
+          <a:prstDash val="solid"/>
+        </a:ln>
+        <a:effectLst/>
+      </dsp:spPr>
+      <dsp:style>
+        <a:lnRef idx="2">
+          <a:scrgbClr r="0" g="0" b="0"/>
+        </a:lnRef>
+        <a:fillRef idx="1">
+          <a:scrgbClr r="0" g="0" b="0"/>
+        </a:fillRef>
+        <a:effectRef idx="0">
+          <a:scrgbClr r="0" g="0" b="0"/>
+        </a:effectRef>
+        <a:fontRef idx="minor">
+          <a:schemeClr val="lt1"/>
+        </a:fontRef>
+      </dsp:style>
+      <dsp:txBody>
+        <a:bodyPr spcFirstLastPara="0" vert="horz" wrap="square" lIns="12700" tIns="12700" rIns="12700" bIns="12700" numCol="1" spcCol="1270" anchor="ctr" anchorCtr="0">
+          <a:noAutofit/>
+        </a:bodyPr>
+        <a:lstStyle/>
+        <a:p>
+          <a:pPr lvl="0" algn="ctr" defTabSz="889000">
+            <a:lnSpc>
+              <a:spcPct val="90000"/>
+            </a:lnSpc>
+            <a:spcBef>
+              <a:spcPct val="0"/>
+            </a:spcBef>
+            <a:spcAft>
+              <a:spcPct val="35000"/>
+            </a:spcAft>
+          </a:pPr>
+          <a:endParaRPr lang="fr-FR" sz="2000" kern="1200"/>
+        </a:p>
+      </dsp:txBody>
+      <dsp:txXfrm rot="-5400000">
+        <a:off x="1" y="542914"/>
+        <a:ext cx="1085254" cy="465109"/>
+      </dsp:txXfrm>
+    </dsp:sp>
+    <dsp:sp modelId="{2939911B-5998-415A-B0E2-B85D5A31426C}">
+      <dsp:nvSpPr>
+        <dsp:cNvPr id="0" name=""/>
+        <dsp:cNvSpPr/>
+      </dsp:nvSpPr>
+      <dsp:spPr>
+        <a:xfrm rot="5400000">
+          <a:off x="3590833" y="-2505290"/>
+          <a:ext cx="1007736" cy="6018893"/>
+        </a:xfrm>
+        <a:prstGeom prst="round2SameRect">
+          <a:avLst/>
+        </a:prstGeom>
+        <a:solidFill>
+          <a:schemeClr val="lt1">
+            <a:alpha val="90000"/>
+            <a:hueOff val="0"/>
+            <a:satOff val="0"/>
+            <a:lumOff val="0"/>
+            <a:alphaOff val="0"/>
+          </a:schemeClr>
+        </a:solidFill>
+        <a:ln w="19050" cap="flat" cmpd="sng" algn="ctr">
+          <a:solidFill>
+            <a:schemeClr val="accent2">
+              <a:hueOff val="0"/>
+              <a:satOff val="0"/>
+              <a:lumOff val="0"/>
+              <a:alphaOff val="0"/>
+            </a:schemeClr>
+          </a:solidFill>
+          <a:prstDash val="solid"/>
+        </a:ln>
+        <a:effectLst/>
+      </dsp:spPr>
+      <dsp:style>
+        <a:lnRef idx="2">
+          <a:scrgbClr r="0" g="0" b="0"/>
+        </a:lnRef>
+        <a:fillRef idx="1">
+          <a:scrgbClr r="0" g="0" b="0"/>
+        </a:fillRef>
+        <a:effectRef idx="0">
+          <a:scrgbClr r="0" g="0" b="0"/>
+        </a:effectRef>
+        <a:fontRef idx="minor"/>
+      </dsp:style>
+      <dsp:txBody>
+        <a:bodyPr spcFirstLastPara="0" vert="horz" wrap="square" lIns="170688" tIns="15240" rIns="15240" bIns="15240" numCol="1" spcCol="1270" anchor="ctr" anchorCtr="0">
+          <a:noAutofit/>
+        </a:bodyPr>
+        <a:lstStyle/>
+        <a:p>
+          <a:pPr marL="228600" lvl="1" indent="-228600" algn="l" defTabSz="1066800">
+            <a:lnSpc>
+              <a:spcPct val="90000"/>
+            </a:lnSpc>
+            <a:spcBef>
+              <a:spcPct val="0"/>
+            </a:spcBef>
+            <a:spcAft>
+              <a:spcPct val="15000"/>
+            </a:spcAft>
+            <a:buChar char="••"/>
+          </a:pPr>
+          <a:r>
+            <a:rPr lang="fr-FR" sz="2400" kern="1200" dirty="0" smtClean="0"/>
+            <a:t>Téléversement d’un programme sur la carte Arduino (une seule fois pour toute)</a:t>
+          </a:r>
+          <a:endParaRPr lang="fr-FR" sz="2400" kern="1200" dirty="0"/>
+        </a:p>
+      </dsp:txBody>
+      <dsp:txXfrm rot="-5400000">
+        <a:off x="1085255" y="49482"/>
+        <a:ext cx="5969699" cy="909348"/>
+      </dsp:txXfrm>
+    </dsp:sp>
+    <dsp:sp modelId="{4EC1BD4D-26A3-486C-A72F-2FDEB645BEC5}">
+      <dsp:nvSpPr>
+        <dsp:cNvPr id="0" name=""/>
+        <dsp:cNvSpPr/>
+      </dsp:nvSpPr>
+      <dsp:spPr>
+        <a:xfrm rot="5400000">
+          <a:off x="-232554" y="1588342"/>
+          <a:ext cx="1550363" cy="1085254"/>
+        </a:xfrm>
+        <a:prstGeom prst="chevron">
+          <a:avLst/>
+        </a:prstGeom>
+        <a:solidFill>
+          <a:schemeClr val="accent3">
+            <a:hueOff val="0"/>
+            <a:satOff val="0"/>
+            <a:lumOff val="0"/>
+            <a:alphaOff val="0"/>
+          </a:schemeClr>
+        </a:solidFill>
+        <a:ln w="19050" cap="flat" cmpd="sng" algn="ctr">
+          <a:solidFill>
+            <a:schemeClr val="accent3">
+              <a:hueOff val="0"/>
+              <a:satOff val="0"/>
+              <a:lumOff val="0"/>
+              <a:alphaOff val="0"/>
+            </a:schemeClr>
+          </a:solidFill>
+          <a:prstDash val="solid"/>
+        </a:ln>
+        <a:effectLst/>
+      </dsp:spPr>
+      <dsp:style>
+        <a:lnRef idx="2">
+          <a:scrgbClr r="0" g="0" b="0"/>
+        </a:lnRef>
+        <a:fillRef idx="1">
+          <a:scrgbClr r="0" g="0" b="0"/>
+        </a:fillRef>
+        <a:effectRef idx="0">
+          <a:scrgbClr r="0" g="0" b="0"/>
+        </a:effectRef>
+        <a:fontRef idx="minor">
+          <a:schemeClr val="lt1"/>
+        </a:fontRef>
+      </dsp:style>
+      <dsp:txBody>
+        <a:bodyPr spcFirstLastPara="0" vert="horz" wrap="square" lIns="12700" tIns="12700" rIns="12700" bIns="12700" numCol="1" spcCol="1270" anchor="ctr" anchorCtr="0">
+          <a:noAutofit/>
+        </a:bodyPr>
+        <a:lstStyle/>
+        <a:p>
+          <a:pPr lvl="0" algn="ctr" defTabSz="889000">
+            <a:lnSpc>
+              <a:spcPct val="90000"/>
+            </a:lnSpc>
+            <a:spcBef>
+              <a:spcPct val="0"/>
+            </a:spcBef>
+            <a:spcAft>
+              <a:spcPct val="35000"/>
+            </a:spcAft>
+          </a:pPr>
+          <a:endParaRPr lang="fr-FR" sz="2000" kern="1200"/>
+        </a:p>
+      </dsp:txBody>
+      <dsp:txXfrm rot="-5400000">
+        <a:off x="1" y="1898414"/>
+        <a:ext cx="1085254" cy="465109"/>
+      </dsp:txXfrm>
+    </dsp:sp>
+    <dsp:sp modelId="{F92BB23A-5739-4B60-85AD-A11A8CD8F9C8}">
+      <dsp:nvSpPr>
+        <dsp:cNvPr id="0" name=""/>
+        <dsp:cNvSpPr/>
+      </dsp:nvSpPr>
+      <dsp:spPr>
+        <a:xfrm rot="5400000">
+          <a:off x="3590833" y="-1149790"/>
+          <a:ext cx="1007736" cy="6018893"/>
+        </a:xfrm>
+        <a:prstGeom prst="round2SameRect">
+          <a:avLst/>
+        </a:prstGeom>
+        <a:solidFill>
+          <a:schemeClr val="lt1">
+            <a:alpha val="90000"/>
+            <a:hueOff val="0"/>
+            <a:satOff val="0"/>
+            <a:lumOff val="0"/>
+            <a:alphaOff val="0"/>
+          </a:schemeClr>
+        </a:solidFill>
+        <a:ln w="19050" cap="flat" cmpd="sng" algn="ctr">
+          <a:solidFill>
+            <a:schemeClr val="accent3">
+              <a:hueOff val="0"/>
+              <a:satOff val="0"/>
+              <a:lumOff val="0"/>
+              <a:alphaOff val="0"/>
+            </a:schemeClr>
+          </a:solidFill>
+          <a:prstDash val="solid"/>
+        </a:ln>
+        <a:effectLst/>
+      </dsp:spPr>
+      <dsp:style>
+        <a:lnRef idx="2">
+          <a:scrgbClr r="0" g="0" b="0"/>
+        </a:lnRef>
+        <a:fillRef idx="1">
+          <a:scrgbClr r="0" g="0" b="0"/>
+        </a:fillRef>
+        <a:effectRef idx="0">
+          <a:scrgbClr r="0" g="0" b="0"/>
+        </a:effectRef>
+        <a:fontRef idx="minor"/>
+      </dsp:style>
+      <dsp:txBody>
+        <a:bodyPr spcFirstLastPara="0" vert="horz" wrap="square" lIns="170688" tIns="15240" rIns="15240" bIns="15240" numCol="1" spcCol="1270" anchor="ctr" anchorCtr="0">
+          <a:noAutofit/>
+        </a:bodyPr>
+        <a:lstStyle/>
+        <a:p>
+          <a:pPr marL="228600" lvl="1" indent="-228600" algn="l" defTabSz="1066800">
+            <a:lnSpc>
+              <a:spcPct val="90000"/>
+            </a:lnSpc>
+            <a:spcBef>
+              <a:spcPct val="0"/>
+            </a:spcBef>
+            <a:spcAft>
+              <a:spcPct val="15000"/>
+            </a:spcAft>
+            <a:buChar char="••"/>
+          </a:pPr>
+          <a:r>
+            <a:rPr lang="fr-FR" sz="2400" kern="1200" dirty="0" smtClean="0"/>
+            <a:t>Programmation avec Python</a:t>
+          </a:r>
+          <a:endParaRPr lang="fr-FR" sz="2400" kern="1200" dirty="0"/>
+        </a:p>
+      </dsp:txBody>
+      <dsp:txXfrm rot="-5400000">
+        <a:off x="1085255" y="1404982"/>
+        <a:ext cx="5969699" cy="909348"/>
+      </dsp:txXfrm>
+    </dsp:sp>
+    <dsp:sp modelId="{A7F4B24D-FEE9-4AC8-9757-503170DA6128}">
+      <dsp:nvSpPr>
+        <dsp:cNvPr id="0" name=""/>
+        <dsp:cNvSpPr/>
+      </dsp:nvSpPr>
+      <dsp:spPr>
+        <a:xfrm rot="5400000">
+          <a:off x="-232554" y="2943842"/>
+          <a:ext cx="1550363" cy="1085254"/>
+        </a:xfrm>
+        <a:prstGeom prst="chevron">
+          <a:avLst/>
+        </a:prstGeom>
+        <a:solidFill>
+          <a:schemeClr val="accent4">
+            <a:hueOff val="0"/>
+            <a:satOff val="0"/>
+            <a:lumOff val="0"/>
+            <a:alphaOff val="0"/>
+          </a:schemeClr>
+        </a:solidFill>
+        <a:ln w="19050" cap="flat" cmpd="sng" algn="ctr">
+          <a:solidFill>
+            <a:schemeClr val="accent4">
+              <a:hueOff val="0"/>
+              <a:satOff val="0"/>
+              <a:lumOff val="0"/>
+              <a:alphaOff val="0"/>
+            </a:schemeClr>
+          </a:solidFill>
+          <a:prstDash val="solid"/>
+        </a:ln>
+        <a:effectLst/>
+      </dsp:spPr>
+      <dsp:style>
+        <a:lnRef idx="2">
+          <a:scrgbClr r="0" g="0" b="0"/>
+        </a:lnRef>
+        <a:fillRef idx="1">
+          <a:scrgbClr r="0" g="0" b="0"/>
+        </a:fillRef>
+        <a:effectRef idx="0">
+          <a:scrgbClr r="0" g="0" b="0"/>
+        </a:effectRef>
+        <a:fontRef idx="minor">
+          <a:schemeClr val="lt1"/>
+        </a:fontRef>
+      </dsp:style>
+      <dsp:txBody>
+        <a:bodyPr spcFirstLastPara="0" vert="horz" wrap="square" lIns="12700" tIns="12700" rIns="12700" bIns="12700" numCol="1" spcCol="1270" anchor="ctr" anchorCtr="0">
+          <a:noAutofit/>
+        </a:bodyPr>
+        <a:lstStyle/>
+        <a:p>
+          <a:pPr lvl="0" algn="ctr" defTabSz="889000">
+            <a:lnSpc>
+              <a:spcPct val="90000"/>
+            </a:lnSpc>
+            <a:spcBef>
+              <a:spcPct val="0"/>
+            </a:spcBef>
+            <a:spcAft>
+              <a:spcPct val="35000"/>
+            </a:spcAft>
+          </a:pPr>
+          <a:endParaRPr lang="fr-FR" sz="2000" kern="1200" dirty="0"/>
+        </a:p>
+      </dsp:txBody>
+      <dsp:txXfrm rot="-5400000">
+        <a:off x="1" y="3253914"/>
+        <a:ext cx="1085254" cy="465109"/>
+      </dsp:txXfrm>
+    </dsp:sp>
+    <dsp:sp modelId="{C64CD4D9-6F30-4136-B7C3-CB879D95364C}">
+      <dsp:nvSpPr>
+        <dsp:cNvPr id="0" name=""/>
+        <dsp:cNvSpPr/>
+      </dsp:nvSpPr>
+      <dsp:spPr>
+        <a:xfrm rot="5400000">
+          <a:off x="3590833" y="205709"/>
+          <a:ext cx="1007736" cy="6018893"/>
+        </a:xfrm>
+        <a:prstGeom prst="round2SameRect">
+          <a:avLst/>
+        </a:prstGeom>
+        <a:solidFill>
+          <a:schemeClr val="lt1">
+            <a:alpha val="90000"/>
+            <a:hueOff val="0"/>
+            <a:satOff val="0"/>
+            <a:lumOff val="0"/>
+            <a:alphaOff val="0"/>
+          </a:schemeClr>
+        </a:solidFill>
+        <a:ln w="19050" cap="flat" cmpd="sng" algn="ctr">
+          <a:solidFill>
+            <a:schemeClr val="accent4">
+              <a:hueOff val="0"/>
+              <a:satOff val="0"/>
+              <a:lumOff val="0"/>
+              <a:alphaOff val="0"/>
+            </a:schemeClr>
+          </a:solidFill>
+          <a:prstDash val="solid"/>
+        </a:ln>
+        <a:effectLst/>
+      </dsp:spPr>
+      <dsp:style>
+        <a:lnRef idx="2">
+          <a:scrgbClr r="0" g="0" b="0"/>
+        </a:lnRef>
+        <a:fillRef idx="1">
+          <a:scrgbClr r="0" g="0" b="0"/>
+        </a:fillRef>
+        <a:effectRef idx="0">
+          <a:scrgbClr r="0" g="0" b="0"/>
+        </a:effectRef>
+        <a:fontRef idx="minor"/>
+      </dsp:style>
+      <dsp:txBody>
+        <a:bodyPr spcFirstLastPara="0" vert="horz" wrap="square" lIns="170688" tIns="15240" rIns="15240" bIns="15240" numCol="1" spcCol="1270" anchor="ctr" anchorCtr="0">
+          <a:noAutofit/>
+        </a:bodyPr>
+        <a:lstStyle/>
+        <a:p>
+          <a:pPr marL="228600" lvl="1" indent="-228600" algn="l" defTabSz="1066800">
+            <a:lnSpc>
+              <a:spcPct val="90000"/>
+            </a:lnSpc>
+            <a:spcBef>
+              <a:spcPct val="0"/>
+            </a:spcBef>
+            <a:spcAft>
+              <a:spcPct val="15000"/>
+            </a:spcAft>
+            <a:buChar char="••"/>
+          </a:pPr>
+          <a:r>
+            <a:rPr lang="fr-FR" sz="2400" kern="1200" dirty="0" smtClean="0"/>
+            <a:t>Exécution du programme sur la carte. </a:t>
+          </a:r>
+          <a:endParaRPr lang="fr-FR" sz="2400" kern="1200" dirty="0"/>
+        </a:p>
+        <a:p>
+          <a:pPr marL="228600" lvl="1" indent="-228600" algn="l" defTabSz="1066800">
+            <a:lnSpc>
+              <a:spcPct val="90000"/>
+            </a:lnSpc>
+            <a:spcBef>
+              <a:spcPct val="0"/>
+            </a:spcBef>
+            <a:spcAft>
+              <a:spcPct val="15000"/>
+            </a:spcAft>
+            <a:buChar char="••"/>
+          </a:pPr>
+          <a:r>
+            <a:rPr lang="fr-FR" sz="2400" kern="1200" dirty="0" smtClean="0"/>
+            <a:t>La carte doit être branchée au PC. </a:t>
+          </a:r>
+          <a:endParaRPr lang="fr-FR" sz="2400" kern="1200" dirty="0"/>
+        </a:p>
+      </dsp:txBody>
+      <dsp:txXfrm rot="-5400000">
+        <a:off x="1085255" y="2760481"/>
+        <a:ext cx="5969699" cy="909348"/>
+      </dsp:txXfrm>
+    </dsp:sp>
   </dsp:spTree>
 </dsp:drawing>
 </file>
@@ -5649,7 +6716,7 @@
               <a:pPr>
                 <a:defRPr/>
               </a:pPr>
-              <a:t>23/05/2016</a:t>
+              <a:t>29/05/2016</a:t>
             </a:fld>
             <a:endParaRPr lang="fr-FR"/>
           </a:p>
@@ -5845,6 +6912,11 @@
         </p:txBody>
       </p:sp>
     </p:spTree>
+    <p:extLst>
+      <p:ext uri="{BB962C8B-B14F-4D97-AF65-F5344CB8AC3E}">
+        <p14:creationId xmlns:p14="http://schemas.microsoft.com/office/powerpoint/2010/main" val="3861532248"/>
+      </p:ext>
+    </p:extLst>
   </p:cSld>
   <p:clrMap bg1="lt1" tx1="dk1" bg2="lt2" tx2="dk2" accent1="accent1" accent2="accent2" accent3="accent3" accent4="accent4" accent5="accent5" accent6="accent6" hlink="hlink" folHlink="folHlink"/>
   <p:notesStyle>
@@ -6528,7 +7600,7 @@
               <a:pPr>
                 <a:defRPr/>
               </a:pPr>
-              <a:t>23/05/2016</a:t>
+              <a:t>29/05/2016</a:t>
             </a:fld>
             <a:endParaRPr lang="fr-FR"/>
           </a:p>
@@ -6733,7 +7805,7 @@
               <a:pPr>
                 <a:defRPr/>
               </a:pPr>
-              <a:t>23/05/2016</a:t>
+              <a:t>29/05/2016</a:t>
             </a:fld>
             <a:endParaRPr lang="fr-FR"/>
           </a:p>
@@ -7092,7 +8164,7 @@
               <a:pPr>
                 <a:defRPr/>
               </a:pPr>
-              <a:t>23/05/2016</a:t>
+              <a:t>29/05/2016</a:t>
             </a:fld>
             <a:endParaRPr lang="fr-FR"/>
           </a:p>
@@ -7335,7 +8407,7 @@
               <a:pPr>
                 <a:defRPr/>
               </a:pPr>
-              <a:t>23/05/2016</a:t>
+              <a:t>29/05/2016</a:t>
             </a:fld>
             <a:endParaRPr lang="fr-FR"/>
           </a:p>
@@ -7691,7 +8763,7 @@
               <a:pPr>
                 <a:defRPr/>
               </a:pPr>
-              <a:t>23/05/2016</a:t>
+              <a:t>29/05/2016</a:t>
             </a:fld>
             <a:endParaRPr lang="fr-FR"/>
           </a:p>
@@ -7963,7 +9035,7 @@
               <a:pPr>
                 <a:defRPr/>
               </a:pPr>
-              <a:t>23/05/2016</a:t>
+              <a:t>29/05/2016</a:t>
             </a:fld>
             <a:endParaRPr lang="fr-FR"/>
           </a:p>
@@ -8345,7 +9417,7 @@
               <a:pPr>
                 <a:defRPr/>
               </a:pPr>
-              <a:t>23/05/2016</a:t>
+              <a:t>29/05/2016</a:t>
             </a:fld>
             <a:endParaRPr lang="fr-FR"/>
           </a:p>
@@ -8551,7 +9623,7 @@
               <a:pPr>
                 <a:defRPr/>
               </a:pPr>
-              <a:t>23/05/2016</a:t>
+              <a:t>29/05/2016</a:t>
             </a:fld>
             <a:endParaRPr lang="fr-FR"/>
           </a:p>
@@ -8777,7 +9849,7 @@
               <a:pPr>
                 <a:defRPr/>
               </a:pPr>
-              <a:t>23/05/2016</a:t>
+              <a:t>29/05/2016</a:t>
             </a:fld>
             <a:endParaRPr lang="fr-FR"/>
           </a:p>
@@ -9209,7 +10281,7 @@
               <a:pPr>
                 <a:defRPr/>
               </a:pPr>
-              <a:t>23/05/2016</a:t>
+              <a:t>29/05/2016</a:t>
             </a:fld>
             <a:endParaRPr lang="fr-FR"/>
           </a:p>
@@ -9630,7 +10702,7 @@
               <a:pPr>
                 <a:defRPr/>
               </a:pPr>
-              <a:t>23/05/2016</a:t>
+              <a:t>29/05/2016</a:t>
             </a:fld>
             <a:endParaRPr lang="fr-FR"/>
           </a:p>
@@ -9889,7 +10961,7 @@
               <a:pPr>
                 <a:defRPr/>
               </a:pPr>
-              <a:t>23/05/2016</a:t>
+              <a:t>29/05/2016</a:t>
             </a:fld>
             <a:endParaRPr lang="fr-FR"/>
           </a:p>
@@ -9941,7 +11013,6 @@
               <a:rPr lang="fr-FR"/>
               <a:t>Découverte de la programmation des cartes Arduino - Xavier PESSOLES</a:t>
             </a:r>
-            <a:endParaRPr lang="fr-FR"/>
           </a:p>
         </p:txBody>
       </p:sp>
@@ -11327,90 +12398,130 @@
           <a:lstStyle/>
           <a:p>
             <a:r>
-              <a:rPr lang="fr-FR" smtClean="0"/>
-              <a:t>Dans le logiciel Arduino</a:t>
+              <a:rPr lang="fr-FR" dirty="0" smtClean="0"/>
+              <a:t>Dans le logiciel </a:t>
+            </a:r>
+            <a:r>
+              <a:rPr lang="fr-FR" dirty="0" smtClean="0"/>
+              <a:t>Arduino</a:t>
             </a:r>
           </a:p>
           <a:p>
             <a:pPr lvl="1"/>
             <a:r>
-              <a:rPr lang="fr-FR" smtClean="0"/>
+              <a:rPr lang="fr-FR" dirty="0" smtClean="0"/>
+              <a:t>Ajouter une biblioth</a:t>
+            </a:r>
+            <a:r>
+              <a:rPr lang="fr-FR" dirty="0" smtClean="0"/>
+              <a:t>èque :</a:t>
+            </a:r>
+            <a:endParaRPr lang="fr-FR" dirty="0" smtClean="0"/>
+          </a:p>
+          <a:p>
+            <a:pPr lvl="2"/>
+            <a:r>
+              <a:rPr lang="fr-FR" dirty="0" smtClean="0"/>
               <a:t>Menu croquis </a:t>
             </a:r>
             <a:r>
-              <a:rPr lang="fr-FR" sz="1200" smtClean="0">
+              <a:rPr lang="fr-FR" sz="1000" dirty="0" smtClean="0">
                 <a:sym typeface="Wingdings 3" pitchFamily="18" charset="2"/>
               </a:rPr>
               <a:t></a:t>
             </a:r>
             <a:r>
-              <a:rPr lang="fr-FR" smtClean="0">
+              <a:rPr lang="fr-FR" dirty="0" smtClean="0">
                 <a:sym typeface="Wingdings 3" pitchFamily="18" charset="2"/>
               </a:rPr>
               <a:t> Inclure une bibliothèque</a:t>
             </a:r>
             <a:r>
-              <a:rPr lang="fr-FR" smtClean="0"/>
+              <a:rPr lang="fr-FR" dirty="0" smtClean="0"/>
               <a:t> </a:t>
             </a:r>
             <a:r>
-              <a:rPr lang="fr-FR" sz="1100" smtClean="0">
+              <a:rPr lang="fr-FR" sz="900" dirty="0" smtClean="0">
                 <a:sym typeface="Wingdings 3" pitchFamily="18" charset="2"/>
               </a:rPr>
               <a:t></a:t>
             </a:r>
             <a:r>
-              <a:rPr lang="fr-FR" smtClean="0">
+              <a:rPr lang="fr-FR" dirty="0" smtClean="0">
                 <a:sym typeface="Wingdings 3" pitchFamily="18" charset="2"/>
               </a:rPr>
-              <a:t> Ajouter la bibliothèque Zip</a:t>
+              <a:t> Ajouter la bibliothèque </a:t>
+            </a:r>
+            <a:r>
+              <a:rPr lang="fr-FR" dirty="0" smtClean="0">
+                <a:sym typeface="Wingdings 3" pitchFamily="18" charset="2"/>
+              </a:rPr>
+              <a:t>Zip</a:t>
+            </a:r>
+            <a:endParaRPr lang="fr-FR" dirty="0" smtClean="0"/>
+          </a:p>
+          <a:p>
+            <a:pPr lvl="2"/>
+            <a:r>
+              <a:rPr lang="fr-FR" dirty="0" smtClean="0"/>
+              <a:t>Ajouter </a:t>
+            </a:r>
+            <a:r>
+              <a:rPr lang="fr-FR" dirty="0" smtClean="0"/>
+              <a:t>la bibliothèque TimerOne-r11.zip pour l'installer</a:t>
             </a:r>
           </a:p>
           <a:p>
             <a:pPr lvl="1"/>
             <a:r>
+              <a:rPr lang="fr-FR" dirty="0" smtClean="0"/>
+              <a:t>Sélectionner </a:t>
+            </a:r>
+            <a:r>
+              <a:rPr lang="fr-FR" dirty="0" smtClean="0"/>
+              <a:t>la carte Arduino </a:t>
+            </a:r>
+            <a:r>
+              <a:rPr lang="fr-FR" dirty="0" err="1" smtClean="0"/>
+              <a:t>Uno</a:t>
+            </a:r>
+            <a:r>
+              <a:rPr lang="fr-FR" dirty="0" smtClean="0"/>
+              <a:t> et le port COM sur lequel la carte est connectée.</a:t>
+            </a:r>
+          </a:p>
+          <a:p>
+            <a:pPr lvl="2"/>
+            <a:r>
+              <a:rPr lang="fr-FR" dirty="0" smtClean="0"/>
+              <a:t>Téléverser le programme toolbox_arduino_v4.ino</a:t>
+            </a:r>
+          </a:p>
+          <a:p>
+            <a:pPr lvl="1"/>
+            <a:endParaRPr lang="fr-FR" dirty="0" smtClean="0"/>
+          </a:p>
+          <a:p>
+            <a:pPr lvl="1"/>
+            <a:endParaRPr lang="fr-FR" dirty="0" smtClean="0"/>
+          </a:p>
+          <a:p>
+            <a:r>
+              <a:rPr lang="fr-FR" dirty="0" smtClean="0"/>
+              <a:t>Placer le programme py2duino.py dans le répertoire Lib</a:t>
+            </a:r>
+          </a:p>
+          <a:p>
+            <a:pPr lvl="1"/>
+            <a:r>
+              <a:rPr lang="fr-FR" dirty="0" smtClean="0"/>
+              <a:t>(Déjà fait </a:t>
+            </a:r>
+            <a:r>
               <a:rPr lang="fr-FR" smtClean="0"/>
-              <a:t>Ajouter la bibliothèque TimerOne-r11.zip pour l'installer</a:t>
-            </a:r>
-          </a:p>
-          <a:p>
-            <a:pPr lvl="1"/>
-            <a:endParaRPr lang="fr-FR" smtClean="0"/>
-          </a:p>
-          <a:p>
-            <a:pPr lvl="1"/>
-            <a:r>
-              <a:rPr lang="fr-FR" smtClean="0"/>
-              <a:t>Sélectionner la carte Arduino Uno et le port COM sur lequel la carte est connectée.</a:t>
-            </a:r>
-          </a:p>
-          <a:p>
-            <a:pPr lvl="1"/>
-            <a:r>
-              <a:rPr lang="fr-FR" smtClean="0"/>
-              <a:t>Téléverser le programme toolbox_arduino_v4.ino</a:t>
-            </a:r>
-          </a:p>
-          <a:p>
-            <a:pPr lvl="1"/>
-            <a:endParaRPr lang="fr-FR" smtClean="0"/>
-          </a:p>
-          <a:p>
-            <a:pPr lvl="1"/>
-            <a:endParaRPr lang="fr-FR" smtClean="0"/>
-          </a:p>
-          <a:p>
-            <a:r>
-              <a:rPr lang="fr-FR" smtClean="0"/>
-              <a:t>Placer le programme py2duino.py dans le répertoire Lib</a:t>
-            </a:r>
-          </a:p>
-          <a:p>
-            <a:pPr lvl="1"/>
-            <a:r>
-              <a:rPr lang="fr-FR" smtClean="0"/>
-              <a:t>Exemple de notation du port : "/dev/ttcy3"</a:t>
-            </a:r>
+              <a:t>sur certains postes)</a:t>
+            </a:r>
+            <a:endParaRPr lang="fr-FR" dirty="0" smtClean="0"/>
           </a:p>
         </p:txBody>
       </p:sp>
@@ -15009,12 +16120,6 @@
               </a:rPr>
               <a:t>Zone de programmation</a:t>
             </a:r>
-            <a:endParaRPr lang="fr-FR" sz="2400" dirty="0">
-              <a:solidFill>
-                <a:sysClr val="windowText" lastClr="000000"/>
-              </a:solidFill>
-              <a:latin typeface="Calibri" panose="020F0502020204030204" pitchFamily="34" charset="0"/>
-            </a:endParaRPr>
           </a:p>
         </p:txBody>
       </p:sp>
@@ -15075,12 +16180,6 @@
               </a:rPr>
               <a:t>Vérification du programme</a:t>
             </a:r>
-            <a:endParaRPr lang="fr-FR" sz="1600" dirty="0">
-              <a:solidFill>
-                <a:sysClr val="windowText" lastClr="000000"/>
-              </a:solidFill>
-              <a:latin typeface="Calibri" panose="020F0502020204030204" pitchFamily="34" charset="0"/>
-            </a:endParaRPr>
           </a:p>
         </p:txBody>
       </p:sp>
@@ -15143,12 +16242,6 @@
               </a:rPr>
               <a:t>Envoi du programme vers la carte</a:t>
             </a:r>
-            <a:endParaRPr lang="fr-FR" sz="1600" dirty="0">
-              <a:solidFill>
-                <a:sysClr val="windowText" lastClr="000000"/>
-              </a:solidFill>
-              <a:latin typeface="Calibri" panose="020F0502020204030204" pitchFamily="34" charset="0"/>
-            </a:endParaRPr>
           </a:p>
         </p:txBody>
       </p:sp>
@@ -15209,12 +16302,6 @@
               </a:rPr>
               <a:t>Choix du type de carte</a:t>
             </a:r>
-            <a:endParaRPr lang="fr-FR" sz="1600" dirty="0">
-              <a:solidFill>
-                <a:sysClr val="windowText" lastClr="000000"/>
-              </a:solidFill>
-              <a:latin typeface="Calibri" panose="020F0502020204030204" pitchFamily="34" charset="0"/>
-            </a:endParaRPr>
           </a:p>
         </p:txBody>
       </p:sp>
@@ -15275,12 +16362,6 @@
               </a:rPr>
               <a:t>Choix du type de port</a:t>
             </a:r>
-            <a:endParaRPr lang="fr-FR" sz="1600" dirty="0">
-              <a:solidFill>
-                <a:sysClr val="windowText" lastClr="000000"/>
-              </a:solidFill>
-              <a:latin typeface="Calibri" panose="020F0502020204030204" pitchFamily="34" charset="0"/>
-            </a:endParaRPr>
           </a:p>
         </p:txBody>
       </p:sp>
@@ -15819,12 +16900,6 @@
               </a:rPr>
               <a:t>LED</a:t>
             </a:r>
-            <a:endParaRPr lang="fr-FR" sz="1600" dirty="0">
-              <a:solidFill>
-                <a:sysClr val="windowText" lastClr="000000"/>
-              </a:solidFill>
-              <a:latin typeface="Calibri" panose="020F0502020204030204" pitchFamily="34" charset="0"/>
-            </a:endParaRPr>
           </a:p>
         </p:txBody>
       </p:sp>
@@ -15876,7 +16951,7 @@
         </p:nvGraphicFramePr>
         <p:xfrm>
           <a:off x="349250" y="3370263"/>
-          <a:ext cx="8280400" cy="3078162"/>
+          <a:ext cx="8280920" cy="3078480"/>
         </p:xfrm>
         <a:graphic>
           <a:graphicData uri="http://schemas.openxmlformats.org/drawingml/2006/table">
